--- a/Weekly/汇报/O2E-TU-2_汇报_0419.pptx
+++ b/Weekly/汇报/O2E-TU-2_汇报_0419.pptx
@@ -254,7 +254,7 @@
           <a:p>
             <a:fld id="{D997B5FA-0921-464F-AAE1-844C04324D75}" type="datetimeFigureOut">
               <a:rPr lang="zh-CN" altLang="en-US" smtClean="0"/>
-              <a:t>2022/4/19</a:t>
+              <a:t>2022/6/7</a:t>
             </a:fld>
             <a:endParaRPr lang="zh-CN" altLang="en-US"/>
           </a:p>
@@ -417,7 +417,7 @@
           <a:p>
             <a:fld id="{D997B5FA-0921-464F-AAE1-844C04324D75}" type="datetimeFigureOut">
               <a:rPr lang="zh-CN" altLang="en-US" smtClean="0"/>
-              <a:t>2022/4/19</a:t>
+              <a:t>2022/6/7</a:t>
             </a:fld>
             <a:endParaRPr lang="zh-CN" altLang="en-US"/>
           </a:p>
@@ -590,7 +590,7 @@
           <a:p>
             <a:fld id="{D997B5FA-0921-464F-AAE1-844C04324D75}" type="datetimeFigureOut">
               <a:rPr lang="zh-CN" altLang="en-US" smtClean="0"/>
-              <a:t>2022/4/19</a:t>
+              <a:t>2022/6/7</a:t>
             </a:fld>
             <a:endParaRPr lang="zh-CN" altLang="en-US"/>
           </a:p>
@@ -753,7 +753,7 @@
           <a:p>
             <a:fld id="{D997B5FA-0921-464F-AAE1-844C04324D75}" type="datetimeFigureOut">
               <a:rPr lang="zh-CN" altLang="en-US" smtClean="0"/>
-              <a:t>2022/4/19</a:t>
+              <a:t>2022/6/7</a:t>
             </a:fld>
             <a:endParaRPr lang="zh-CN" altLang="en-US"/>
           </a:p>
@@ -993,7 +993,7 @@
           <a:p>
             <a:fld id="{D997B5FA-0921-464F-AAE1-844C04324D75}" type="datetimeFigureOut">
               <a:rPr lang="zh-CN" altLang="en-US" smtClean="0"/>
-              <a:t>2022/4/19</a:t>
+              <a:t>2022/6/7</a:t>
             </a:fld>
             <a:endParaRPr lang="zh-CN" altLang="en-US"/>
           </a:p>
@@ -1217,7 +1217,7 @@
           <a:p>
             <a:fld id="{D997B5FA-0921-464F-AAE1-844C04324D75}" type="datetimeFigureOut">
               <a:rPr lang="zh-CN" altLang="en-US" smtClean="0"/>
-              <a:t>2022/4/19</a:t>
+              <a:t>2022/6/7</a:t>
             </a:fld>
             <a:endParaRPr lang="zh-CN" altLang="en-US"/>
           </a:p>
@@ -1576,7 +1576,7 @@
           <a:p>
             <a:fld id="{D997B5FA-0921-464F-AAE1-844C04324D75}" type="datetimeFigureOut">
               <a:rPr lang="zh-CN" altLang="en-US" smtClean="0"/>
-              <a:t>2022/4/19</a:t>
+              <a:t>2022/6/7</a:t>
             </a:fld>
             <a:endParaRPr lang="zh-CN" altLang="en-US"/>
           </a:p>
@@ -1688,7 +1688,7 @@
           <a:p>
             <a:fld id="{D997B5FA-0921-464F-AAE1-844C04324D75}" type="datetimeFigureOut">
               <a:rPr lang="zh-CN" altLang="en-US" smtClean="0"/>
-              <a:t>2022/4/19</a:t>
+              <a:t>2022/6/7</a:t>
             </a:fld>
             <a:endParaRPr lang="zh-CN" altLang="en-US"/>
           </a:p>
@@ -1778,7 +1778,7 @@
           <a:p>
             <a:fld id="{D997B5FA-0921-464F-AAE1-844C04324D75}" type="datetimeFigureOut">
               <a:rPr lang="zh-CN" altLang="en-US" smtClean="0"/>
-              <a:t>2022/4/19</a:t>
+              <a:t>2022/6/7</a:t>
             </a:fld>
             <a:endParaRPr lang="zh-CN" altLang="en-US"/>
           </a:p>
@@ -2048,7 +2048,7 @@
           <a:p>
             <a:fld id="{D997B5FA-0921-464F-AAE1-844C04324D75}" type="datetimeFigureOut">
               <a:rPr lang="zh-CN" altLang="en-US" smtClean="0"/>
-              <a:t>2022/4/19</a:t>
+              <a:t>2022/6/7</a:t>
             </a:fld>
             <a:endParaRPr lang="zh-CN" altLang="en-US"/>
           </a:p>
@@ -2295,7 +2295,7 @@
           <a:p>
             <a:fld id="{D997B5FA-0921-464F-AAE1-844C04324D75}" type="datetimeFigureOut">
               <a:rPr lang="zh-CN" altLang="en-US" smtClean="0"/>
-              <a:t>2022/4/19</a:t>
+              <a:t>2022/6/7</a:t>
             </a:fld>
             <a:endParaRPr lang="zh-CN" altLang="en-US"/>
           </a:p>
@@ -2501,7 +2501,7 @@
           <a:p>
             <a:fld id="{D997B5FA-0921-464F-AAE1-844C04324D75}" type="datetimeFigureOut">
               <a:rPr lang="zh-CN" altLang="en-US" smtClean="0"/>
-              <a:t>2022/4/19</a:t>
+              <a:t>2022/6/7</a:t>
             </a:fld>
             <a:endParaRPr lang="zh-CN" altLang="en-US"/>
           </a:p>
@@ -3410,6 +3410,92 @@
           </a:p>
         </p:txBody>
       </p:sp>
+      <p:sp>
+        <p:nvSpPr>
+          <p:cNvPr id="13" name="矩形 12">
+            <a:extLst>
+              <a:ext uri="{FF2B5EF4-FFF2-40B4-BE49-F238E27FC236}">
+                <a16:creationId xmlns:a16="http://schemas.microsoft.com/office/drawing/2014/main" id="{98DAFEC8-CB71-9849-8C52-C3982339D58E}"/>
+              </a:ext>
+            </a:extLst>
+          </p:cNvPr>
+          <p:cNvSpPr/>
+          <p:nvPr/>
+        </p:nvSpPr>
+        <p:spPr>
+          <a:xfrm>
+            <a:off x="3747184" y="4372610"/>
+            <a:ext cx="1707409" cy="589915"/>
+          </a:xfrm>
+          <a:prstGeom prst="rect">
+            <a:avLst/>
+          </a:prstGeom>
+        </p:spPr>
+        <p:style>
+          <a:lnRef idx="2">
+            <a:schemeClr val="accent1">
+              <a:shade val="50000"/>
+            </a:schemeClr>
+          </a:lnRef>
+          <a:fillRef idx="1">
+            <a:schemeClr val="accent1"/>
+          </a:fillRef>
+          <a:effectRef idx="0">
+            <a:schemeClr val="accent1"/>
+          </a:effectRef>
+          <a:fontRef idx="minor">
+            <a:schemeClr val="lt1"/>
+          </a:fontRef>
+        </p:style>
+        <p:txBody>
+          <a:bodyPr rtlCol="0" anchor="ctr"/>
+          <a:lstStyle/>
+          <a:p>
+            <a:pPr algn="ctr"/>
+            <a:endParaRPr lang="zh-CN" altLang="en-US"/>
+          </a:p>
+        </p:txBody>
+      </p:sp>
+      <p:sp>
+        <p:nvSpPr>
+          <p:cNvPr id="14" name="文本框 13">
+            <a:extLst>
+              <a:ext uri="{FF2B5EF4-FFF2-40B4-BE49-F238E27FC236}">
+                <a16:creationId xmlns:a16="http://schemas.microsoft.com/office/drawing/2014/main" id="{DE43E0F2-0279-CB47-AB4B-A18F4BF10049}"/>
+              </a:ext>
+            </a:extLst>
+          </p:cNvPr>
+          <p:cNvSpPr txBox="1"/>
+          <p:nvPr/>
+        </p:nvSpPr>
+        <p:spPr>
+          <a:xfrm>
+            <a:off x="3747185" y="4483100"/>
+            <a:ext cx="1856740" cy="369332"/>
+          </a:xfrm>
+          <a:prstGeom prst="rect">
+            <a:avLst/>
+          </a:prstGeom>
+          <a:noFill/>
+        </p:spPr>
+        <p:txBody>
+          <a:bodyPr wrap="square" rtlCol="0">
+            <a:spAutoFit/>
+          </a:bodyPr>
+          <a:lstStyle/>
+          <a:p>
+            <a:r>
+              <a:rPr lang="en-US" altLang="zh-CN" dirty="0"/>
+              <a:t>O2E-TU-2 </a:t>
+            </a:r>
+            <a:r>
+              <a:rPr lang="zh-CN" altLang="en-US" dirty="0"/>
+              <a:t>小组</a:t>
+            </a:r>
+            <a:endParaRPr lang="en-US" altLang="zh-CN" dirty="0"/>
+          </a:p>
+        </p:txBody>
+      </p:sp>
     </p:spTree>
   </p:cSld>
   <p:clrMapOvr>
